--- a/Week 3/第三周.pptx
+++ b/Week 3/第三周.pptx
@@ -13004,7 +13004,7 @@
         <p:spPr>
           <a:xfrm>
             <a:off x="3022406" y="3983528"/>
-            <a:ext cx="8871775" cy="461665"/>
+            <a:ext cx="8871775" cy="460375"/>
           </a:xfrm>
           <a:prstGeom prst="rect">
             <a:avLst/>
@@ -13017,17 +13017,18 @@
           </a:bodyPr>
           <a:lstStyle/>
           <a:p>
+            <a:pPr algn="r"/>
             <a:r>
-              <a:rPr lang="en-US" altLang="zh-SG" sz="2400" dirty="0">
+              <a:rPr lang="en-US" sz="2400" dirty="0">
                 <a:solidFill>
                   <a:schemeClr val="bg1"/>
                 </a:solidFill>
                 <a:latin typeface="华文中宋" panose="02010600040101010101" pitchFamily="2" charset="-122"/>
                 <a:ea typeface="华文中宋" panose="02010600040101010101" pitchFamily="2" charset="-122"/>
               </a:rPr>
-              <a:t>Here you can put something to give a brief introduction. </a:t>
+              <a:t>Class and Objects</a:t>
             </a:r>
-            <a:endParaRPr lang="zh-SG" altLang="en-US" sz="2400" dirty="0">
+            <a:endParaRPr lang="en-US" sz="2400" dirty="0">
               <a:solidFill>
                 <a:schemeClr val="bg1"/>
               </a:solidFill>
@@ -15810,7 +15811,7 @@
                 <a:latin typeface="Times New Roman" panose="02020603050405020304" pitchFamily="18" charset="0"/>
                 <a:cs typeface="Times New Roman" panose="02020603050405020304" pitchFamily="18" charset="0"/>
               </a:rPr>
-              <a:t>These attributes are specified as the class’s instance variables. E.g., a bank account </a:t>
+              <a:t>These attributes are specified as the class’s instance variables. </a:t>
             </a:r>
             <a:endParaRPr lang="en-US" sz="2400" dirty="0" err="1">
               <a:solidFill>
@@ -15832,29 +15833,7 @@
                 <a:latin typeface="Times New Roman" panose="02020603050405020304" pitchFamily="18" charset="0"/>
                 <a:cs typeface="Times New Roman" panose="02020603050405020304" pitchFamily="18" charset="0"/>
               </a:rPr>
-              <a:t>object has a balance attribute (implemented as an instance variable) that represents </a:t>
-            </a:r>
-            <a:endParaRPr lang="en-US" sz="2400" dirty="0" err="1">
-              <a:solidFill>
-                <a:srgbClr val="5F2C09"/>
-              </a:solidFill>
-              <a:latin typeface="Times New Roman" panose="02020603050405020304" pitchFamily="18" charset="0"/>
-              <a:cs typeface="Times New Roman" panose="02020603050405020304" pitchFamily="18" charset="0"/>
-            </a:endParaRPr>
-          </a:p>
-          <a:p>
-            <a:pPr indent="0">
-              <a:buNone/>
-            </a:pPr>
-            <a:r>
-              <a:rPr lang="en-US" sz="2400" dirty="0" err="1">
-                <a:solidFill>
-                  <a:srgbClr val="5F2C09"/>
-                </a:solidFill>
-                <a:latin typeface="Times New Roman" panose="02020603050405020304" pitchFamily="18" charset="0"/>
-                <a:cs typeface="Times New Roman" panose="02020603050405020304" pitchFamily="18" charset="0"/>
-              </a:rPr>
-              <a:t>the amount of money in that account.</a:t>
+              <a:t>E.g., a bank account object has a balance attribute (implemented as an instance variable) that represents  the amount of money in that account.</a:t>
             </a:r>
             <a:endParaRPr lang="en-US" sz="2400" dirty="0" err="1">
               <a:solidFill>
@@ -16011,15 +15990,33 @@
                                   </p:childTnLst>
                                 </p:cTn>
                               </p:par>
+                            </p:childTnLst>
+                          </p:cTn>
+                        </p:par>
+                      </p:childTnLst>
+                    </p:cTn>
+                  </p:par>
+                  <p:par>
+                    <p:cTn id="13" fill="hold">
+                      <p:stCondLst>
+                        <p:cond delay="indefinite"/>
+                      </p:stCondLst>
+                      <p:childTnLst>
+                        <p:par>
+                          <p:cTn id="14" fill="hold">
+                            <p:stCondLst>
+                              <p:cond delay="0"/>
+                            </p:stCondLst>
+                            <p:childTnLst>
                               <p:par>
-                                <p:cTn id="13" presetID="3" presetClass="entr" presetSubtype="10" fill="hold" nodeType="withEffect">
+                                <p:cTn id="15" presetID="3" presetClass="entr" presetSubtype="10" fill="hold" nodeType="clickEffect">
                                   <p:stCondLst>
                                     <p:cond delay="0"/>
                                   </p:stCondLst>
                                   <p:childTnLst>
                                     <p:set>
                                       <p:cBhvr>
-                                        <p:cTn id="14" dur="1" fill="hold">
+                                        <p:cTn id="16" dur="1" fill="hold">
                                           <p:stCondLst>
                                             <p:cond delay="0"/>
                                           </p:stCondLst>
@@ -16041,54 +16038,11 @@
                                     </p:set>
                                     <p:animEffect transition="in" filter="blinds(horizontal)">
                                       <p:cBhvr>
-                                        <p:cTn id="15" dur="500"/>
+                                        <p:cTn id="17" dur="500"/>
                                         <p:tgtEl>
                                           <p:spTgt spid="2">
                                             <p:txEl>
                                               <p:pRg st="3" end="3"/>
-                                            </p:txEl>
-                                          </p:spTgt>
-                                        </p:tgtEl>
-                                      </p:cBhvr>
-                                    </p:animEffect>
-                                  </p:childTnLst>
-                                </p:cTn>
-                              </p:par>
-                              <p:par>
-                                <p:cTn id="16" presetID="3" presetClass="entr" presetSubtype="10" fill="hold" nodeType="withEffect">
-                                  <p:stCondLst>
-                                    <p:cond delay="0"/>
-                                  </p:stCondLst>
-                                  <p:childTnLst>
-                                    <p:set>
-                                      <p:cBhvr>
-                                        <p:cTn id="17" dur="1" fill="hold">
-                                          <p:stCondLst>
-                                            <p:cond delay="0"/>
-                                          </p:stCondLst>
-                                        </p:cTn>
-                                        <p:tgtEl>
-                                          <p:spTgt spid="2">
-                                            <p:txEl>
-                                              <p:pRg st="4" end="4"/>
-                                            </p:txEl>
-                                          </p:spTgt>
-                                        </p:tgtEl>
-                                        <p:attrNameLst>
-                                          <p:attrName>style.visibility</p:attrName>
-                                        </p:attrNameLst>
-                                      </p:cBhvr>
-                                      <p:to>
-                                        <p:strVal val="visible"/>
-                                      </p:to>
-                                    </p:set>
-                                    <p:animEffect transition="in" filter="blinds(horizontal)">
-                                      <p:cBhvr>
-                                        <p:cTn id="18" dur="500"/>
-                                        <p:tgtEl>
-                                          <p:spTgt spid="2">
-                                            <p:txEl>
-                                              <p:pRg st="4" end="4"/>
                                             </p:txEl>
                                           </p:spTgt>
                                         </p:tgtEl>
@@ -16104,26 +16058,26 @@
                     </p:cTn>
                   </p:par>
                   <p:par>
-                    <p:cTn id="19" fill="hold">
+                    <p:cTn id="18" fill="hold">
                       <p:stCondLst>
                         <p:cond delay="indefinite"/>
                       </p:stCondLst>
                       <p:childTnLst>
                         <p:par>
-                          <p:cTn id="20" fill="hold">
+                          <p:cTn id="19" fill="hold">
                             <p:stCondLst>
                               <p:cond delay="0"/>
                             </p:stCondLst>
                             <p:childTnLst>
                               <p:par>
-                                <p:cTn id="21" presetID="8" presetClass="entr" presetSubtype="16" fill="hold" nodeType="clickEffect">
+                                <p:cTn id="20" presetID="8" presetClass="entr" presetSubtype="16" fill="hold" nodeType="clickEffect">
                                   <p:stCondLst>
                                     <p:cond delay="0"/>
                                   </p:stCondLst>
                                   <p:childTnLst>
                                     <p:set>
                                       <p:cBhvr>
-                                        <p:cTn id="22" dur="1" fill="hold">
+                                        <p:cTn id="21" dur="1" fill="hold">
                                           <p:stCondLst>
                                             <p:cond delay="0"/>
                                           </p:stCondLst>
@@ -16141,7 +16095,7 @@
                                     </p:set>
                                     <p:animEffect transition="in" filter="diamond(in)">
                                       <p:cBhvr>
-                                        <p:cTn id="23" dur="2000"/>
+                                        <p:cTn id="22" dur="2000"/>
                                         <p:tgtEl>
                                           <p:spTgt spid="5"/>
                                         </p:tgtEl>
@@ -18453,7 +18407,7 @@
         </p:blipFill>
         <p:spPr>
           <a:xfrm>
-            <a:off x="1010920" y="1192530"/>
+            <a:off x="1089660" y="1192530"/>
             <a:ext cx="9068435" cy="3324225"/>
           </a:xfrm>
           <a:prstGeom prst="rect">
@@ -18497,6 +18451,45 @@
             <a:ext cx="304800" cy="783590"/>
           </a:xfrm>
           <a:prstGeom prst="downArrow">
+            <a:avLst/>
+          </a:prstGeom>
+        </p:spPr>
+        <p:style>
+          <a:lnRef idx="2">
+            <a:schemeClr val="accent1">
+              <a:shade val="50000"/>
+            </a:schemeClr>
+          </a:lnRef>
+          <a:fillRef idx="1">
+            <a:schemeClr val="accent1"/>
+          </a:fillRef>
+          <a:effectRef idx="0">
+            <a:schemeClr val="accent1"/>
+          </a:effectRef>
+          <a:fontRef idx="minor">
+            <a:schemeClr val="lt1"/>
+          </a:fontRef>
+        </p:style>
+        <p:txBody>
+          <a:bodyPr rtlCol="0" anchor="ctr"/>
+          <a:p>
+            <a:pPr algn="ctr"/>
+            <a:endParaRPr lang="zh-CN" altLang="en-US"/>
+          </a:p>
+        </p:txBody>
+      </p:sp>
+      <p:sp>
+        <p:nvSpPr>
+          <p:cNvPr id="2" name="矩形 1"/>
+          <p:cNvSpPr/>
+          <p:nvPr/>
+        </p:nvSpPr>
+        <p:spPr>
+          <a:xfrm>
+            <a:off x="1621790" y="1906905"/>
+            <a:ext cx="2837180" cy="75565"/>
+          </a:xfrm>
+          <a:prstGeom prst="rect">
             <a:avLst/>
           </a:prstGeom>
         </p:spPr>
@@ -21151,7 +21144,7 @@
         <p:spPr>
           <a:xfrm>
             <a:off x="407670" y="1080135"/>
-            <a:ext cx="11444605" cy="3415030"/>
+            <a:ext cx="11444605" cy="3784600"/>
           </a:xfrm>
           <a:prstGeom prst="rect">
             <a:avLst/>
@@ -21231,6 +21224,28 @@
                 <a:cs typeface="Tahoma" panose="020B0604030504040204" charset="0"/>
               </a:rPr>
               <a:t>GradeBook[] gradebooks = new GradeBook[ 12 ];</a:t>
+            </a:r>
+            <a:endParaRPr lang="en-US" sz="2400" dirty="0" err="1">
+              <a:solidFill>
+                <a:srgbClr val="5F2C09"/>
+              </a:solidFill>
+              <a:latin typeface="Tahoma" panose="020B0604030504040204" charset="0"/>
+              <a:cs typeface="Tahoma" panose="020B0604030504040204" charset="0"/>
+            </a:endParaRPr>
+          </a:p>
+          <a:p>
+            <a:pPr indent="0">
+              <a:buNone/>
+            </a:pPr>
+            <a:r>
+              <a:rPr lang="en-US" sz="2400" dirty="0" err="1">
+                <a:solidFill>
+                  <a:srgbClr val="5F2C09"/>
+                </a:solidFill>
+                <a:latin typeface="Tahoma" panose="020B0604030504040204" charset="0"/>
+                <a:cs typeface="Tahoma" panose="020B0604030504040204" charset="0"/>
+              </a:rPr>
+              <a:t>Student[] students = new Student[12];</a:t>
             </a:r>
             <a:endParaRPr lang="en-US" sz="2400" dirty="0" err="1">
               <a:solidFill>
@@ -22452,7 +22467,7 @@
         </p:blipFill>
         <p:spPr>
           <a:xfrm>
-            <a:off x="1125220" y="1384300"/>
+            <a:off x="1108075" y="1363980"/>
             <a:ext cx="2292350" cy="2302510"/>
           </a:xfrm>
           <a:prstGeom prst="rect">
